--- a/public/imgresources.pptx
+++ b/public/imgresources.pptx
@@ -5,7 +5,10 @@
     <p:sldMasterId id="2147483648" r:id="rId1"/>
   </p:sldMasterIdLst>
   <p:sldIdLst>
-    <p:sldId id="256" r:id="rId2"/>
+    <p:sldId id="257" r:id="rId2"/>
+    <p:sldId id="258" r:id="rId3"/>
+    <p:sldId id="259" r:id="rId4"/>
+    <p:sldId id="256" r:id="rId5"/>
   </p:sldIdLst>
   <p:sldSz cx="12192000" cy="6858000"/>
   <p:notesSz cx="6858000" cy="9144000"/>
@@ -104,6 +107,11 @@
       </a:defRPr>
     </a:lvl9pPr>
   </p:defaultTextStyle>
+  <p:extLst>
+    <p:ext uri="{EFAFB233-063F-42B5-8137-9DF3F51BA10A}">
+      <p15:sldGuideLst xmlns:p15="http://schemas.microsoft.com/office/powerpoint/2012/main"/>
+    </p:ext>
+  </p:extLst>
 </p:presentation>
 </file>
 
@@ -254,7 +262,7 @@
           <a:p>
             <a:fld id="{89A54704-B65C-474E-A8C4-5ADE952C6A9F}" type="datetimeFigureOut">
               <a:rPr lang="pt-BR" smtClean="0"/>
-              <a:t>11/09/2023</a:t>
+              <a:t>20/09/2023</a:t>
             </a:fld>
             <a:endParaRPr lang="pt-BR"/>
           </a:p>
@@ -452,7 +460,7 @@
           <a:p>
             <a:fld id="{89A54704-B65C-474E-A8C4-5ADE952C6A9F}" type="datetimeFigureOut">
               <a:rPr lang="pt-BR" smtClean="0"/>
-              <a:t>11/09/2023</a:t>
+              <a:t>20/09/2023</a:t>
             </a:fld>
             <a:endParaRPr lang="pt-BR"/>
           </a:p>
@@ -660,7 +668,7 @@
           <a:p>
             <a:fld id="{89A54704-B65C-474E-A8C4-5ADE952C6A9F}" type="datetimeFigureOut">
               <a:rPr lang="pt-BR" smtClean="0"/>
-              <a:t>11/09/2023</a:t>
+              <a:t>20/09/2023</a:t>
             </a:fld>
             <a:endParaRPr lang="pt-BR"/>
           </a:p>
@@ -858,7 +866,7 @@
           <a:p>
             <a:fld id="{89A54704-B65C-474E-A8C4-5ADE952C6A9F}" type="datetimeFigureOut">
               <a:rPr lang="pt-BR" smtClean="0"/>
-              <a:t>11/09/2023</a:t>
+              <a:t>20/09/2023</a:t>
             </a:fld>
             <a:endParaRPr lang="pt-BR"/>
           </a:p>
@@ -1133,7 +1141,7 @@
           <a:p>
             <a:fld id="{89A54704-B65C-474E-A8C4-5ADE952C6A9F}" type="datetimeFigureOut">
               <a:rPr lang="pt-BR" smtClean="0"/>
-              <a:t>11/09/2023</a:t>
+              <a:t>20/09/2023</a:t>
             </a:fld>
             <a:endParaRPr lang="pt-BR"/>
           </a:p>
@@ -1398,7 +1406,7 @@
           <a:p>
             <a:fld id="{89A54704-B65C-474E-A8C4-5ADE952C6A9F}" type="datetimeFigureOut">
               <a:rPr lang="pt-BR" smtClean="0"/>
-              <a:t>11/09/2023</a:t>
+              <a:t>20/09/2023</a:t>
             </a:fld>
             <a:endParaRPr lang="pt-BR"/>
           </a:p>
@@ -1810,7 +1818,7 @@
           <a:p>
             <a:fld id="{89A54704-B65C-474E-A8C4-5ADE952C6A9F}" type="datetimeFigureOut">
               <a:rPr lang="pt-BR" smtClean="0"/>
-              <a:t>11/09/2023</a:t>
+              <a:t>20/09/2023</a:t>
             </a:fld>
             <a:endParaRPr lang="pt-BR"/>
           </a:p>
@@ -1951,7 +1959,7 @@
           <a:p>
             <a:fld id="{89A54704-B65C-474E-A8C4-5ADE952C6A9F}" type="datetimeFigureOut">
               <a:rPr lang="pt-BR" smtClean="0"/>
-              <a:t>11/09/2023</a:t>
+              <a:t>20/09/2023</a:t>
             </a:fld>
             <a:endParaRPr lang="pt-BR"/>
           </a:p>
@@ -2064,7 +2072,7 @@
           <a:p>
             <a:fld id="{89A54704-B65C-474E-A8C4-5ADE952C6A9F}" type="datetimeFigureOut">
               <a:rPr lang="pt-BR" smtClean="0"/>
-              <a:t>11/09/2023</a:t>
+              <a:t>20/09/2023</a:t>
             </a:fld>
             <a:endParaRPr lang="pt-BR"/>
           </a:p>
@@ -2375,7 +2383,7 @@
           <a:p>
             <a:fld id="{89A54704-B65C-474E-A8C4-5ADE952C6A9F}" type="datetimeFigureOut">
               <a:rPr lang="pt-BR" smtClean="0"/>
-              <a:t>11/09/2023</a:t>
+              <a:t>20/09/2023</a:t>
             </a:fld>
             <a:endParaRPr lang="pt-BR"/>
           </a:p>
@@ -2663,7 +2671,7 @@
           <a:p>
             <a:fld id="{89A54704-B65C-474E-A8C4-5ADE952C6A9F}" type="datetimeFigureOut">
               <a:rPr lang="pt-BR" smtClean="0"/>
-              <a:t>11/09/2023</a:t>
+              <a:t>20/09/2023</a:t>
             </a:fld>
             <a:endParaRPr lang="pt-BR"/>
           </a:p>
@@ -2904,7 +2912,7 @@
           <a:p>
             <a:fld id="{89A54704-B65C-474E-A8C4-5ADE952C6A9F}" type="datetimeFigureOut">
               <a:rPr lang="pt-BR" smtClean="0"/>
-              <a:t>11/09/2023</a:t>
+              <a:t>20/09/2023</a:t>
             </a:fld>
             <a:endParaRPr lang="pt-BR"/>
           </a:p>
@@ -3307,6 +3315,710 @@
 <file path=ppt/slides/slide1.xml><?xml version="1.0" encoding="utf-8"?>
 <p:sld xmlns:a="http://schemas.openxmlformats.org/drawingml/2006/main" xmlns:r="http://schemas.openxmlformats.org/officeDocument/2006/relationships" xmlns:p="http://schemas.openxmlformats.org/presentationml/2006/main">
   <p:cSld>
+    <p:bg>
+      <p:bgPr>
+        <a:blipFill dpi="0" rotWithShape="1">
+          <a:blip r:embed="rId2">
+            <a:lum/>
+          </a:blip>
+          <a:srcRect/>
+          <a:stretch>
+            <a:fillRect t="-39000" b="-39000"/>
+          </a:stretch>
+        </a:blipFill>
+        <a:effectLst/>
+      </p:bgPr>
+    </p:bg>
+    <p:spTree>
+      <p:nvGrpSpPr>
+        <p:cNvPr id="1" name=""/>
+        <p:cNvGrpSpPr/>
+        <p:nvPr/>
+      </p:nvGrpSpPr>
+      <p:grpSpPr>
+        <a:xfrm>
+          <a:off x="0" y="0"/>
+          <a:ext cx="0" cy="0"/>
+          <a:chOff x="0" y="0"/>
+          <a:chExt cx="0" cy="0"/>
+        </a:xfrm>
+      </p:grpSpPr>
+      <p:sp>
+        <p:nvSpPr>
+          <p:cNvPr id="9" name="Retângulo: Cantos Arredondados 8">
+            <a:extLst>
+              <a:ext uri="{FF2B5EF4-FFF2-40B4-BE49-F238E27FC236}">
+                <a16:creationId xmlns:a16="http://schemas.microsoft.com/office/drawing/2014/main" id="{F48EA1E9-0C67-4E57-AABB-27C5619D1BF8}"/>
+              </a:ext>
+            </a:extLst>
+          </p:cNvPr>
+          <p:cNvSpPr/>
+          <p:nvPr/>
+        </p:nvSpPr>
+        <p:spPr>
+          <a:xfrm>
+            <a:off x="4196498" y="1532467"/>
+            <a:ext cx="3799002" cy="3799002"/>
+          </a:xfrm>
+          <a:prstGeom prst="roundRect">
+            <a:avLst>
+              <a:gd name="adj" fmla="val 4756"/>
+            </a:avLst>
+          </a:prstGeom>
+          <a:solidFill>
+            <a:srgbClr val="FFFFFF">
+              <a:alpha val="69020"/>
+            </a:srgbClr>
+          </a:solidFill>
+          <a:ln>
+            <a:noFill/>
+          </a:ln>
+        </p:spPr>
+        <p:style>
+          <a:lnRef idx="2">
+            <a:schemeClr val="accent1">
+              <a:shade val="50000"/>
+            </a:schemeClr>
+          </a:lnRef>
+          <a:fillRef idx="1">
+            <a:schemeClr val="accent1"/>
+          </a:fillRef>
+          <a:effectRef idx="0">
+            <a:schemeClr val="accent1"/>
+          </a:effectRef>
+          <a:fontRef idx="minor">
+            <a:schemeClr val="lt1"/>
+          </a:fontRef>
+        </p:style>
+        <p:txBody>
+          <a:bodyPr rtlCol="0" anchor="ctr"/>
+          <a:lstStyle/>
+          <a:p>
+            <a:pPr algn="ctr"/>
+            <a:endParaRPr lang="pt-BR"/>
+          </a:p>
+        </p:txBody>
+      </p:sp>
+      <p:pic>
+        <p:nvPicPr>
+          <p:cNvPr id="5" name="Imagem 4">
+            <a:hlinkClick r:id="" action="ppaction://hlinkshowjump?jump=nextslide"/>
+            <a:extLst>
+              <a:ext uri="{FF2B5EF4-FFF2-40B4-BE49-F238E27FC236}">
+                <a16:creationId xmlns:a16="http://schemas.microsoft.com/office/drawing/2014/main" id="{6D9E2823-E62B-46D2-83B5-A57AD8F22221}"/>
+              </a:ext>
+            </a:extLst>
+          </p:cNvPr>
+          <p:cNvPicPr>
+            <a:picLocks noChangeAspect="1"/>
+          </p:cNvPicPr>
+          <p:nvPr/>
+        </p:nvPicPr>
+        <p:blipFill>
+          <a:blip r:embed="rId3">
+            <a:extLst>
+              <a:ext uri="{28A0092B-C50C-407E-A947-70E740481C1C}">
+                <a14:useLocalDpi xmlns:a14="http://schemas.microsoft.com/office/drawing/2010/main" val="0"/>
+              </a:ext>
+            </a:extLst>
+          </a:blip>
+          <a:stretch>
+            <a:fillRect/>
+          </a:stretch>
+        </p:blipFill>
+        <p:spPr>
+          <a:xfrm>
+            <a:off x="4914900" y="1778512"/>
+            <a:ext cx="2362200" cy="2362200"/>
+          </a:xfrm>
+          <a:prstGeom prst="rect">
+            <a:avLst/>
+          </a:prstGeom>
+        </p:spPr>
+      </p:pic>
+      <p:sp>
+        <p:nvSpPr>
+          <p:cNvPr id="6" name="CaixaDeTexto 5">
+            <a:hlinkClick r:id="" action="ppaction://hlinkshowjump?jump=nextslide"/>
+            <a:extLst>
+              <a:ext uri="{FF2B5EF4-FFF2-40B4-BE49-F238E27FC236}">
+                <a16:creationId xmlns:a16="http://schemas.microsoft.com/office/drawing/2014/main" id="{D9A56370-5B2F-484F-993A-CA7B5CF32C23}"/>
+              </a:ext>
+            </a:extLst>
+          </p:cNvPr>
+          <p:cNvSpPr txBox="1"/>
+          <p:nvPr/>
+        </p:nvSpPr>
+        <p:spPr>
+          <a:xfrm>
+            <a:off x="5271558" y="4310046"/>
+            <a:ext cx="1648883" cy="769441"/>
+          </a:xfrm>
+          <a:prstGeom prst="rect">
+            <a:avLst/>
+          </a:prstGeom>
+          <a:noFill/>
+        </p:spPr>
+        <p:txBody>
+          <a:bodyPr wrap="square" rtlCol="0" anchor="ctr">
+            <a:spAutoFit/>
+          </a:bodyPr>
+          <a:lstStyle/>
+          <a:p>
+            <a:pPr algn="ctr"/>
+            <a:r>
+              <a:rPr lang="pt-BR" sz="4400" b="1" dirty="0">
+                <a:effectLst/>
+                <a:latin typeface="ui-sans-serif"/>
+                <a:hlinkClick r:id="" action="ppaction://hlinkshowjump?jump=nextslide">
+                  <a:extLst>
+                    <a:ext uri="{A12FA001-AC4F-418D-AE19-62706E023703}">
+                      <ahyp:hlinkClr xmlns:ahyp="http://schemas.microsoft.com/office/drawing/2018/hyperlinkcolor" val="tx"/>
+                    </a:ext>
+                  </a:extLst>
+                </a:hlinkClick>
+              </a:rPr>
+              <a:t>Iniciar</a:t>
+            </a:r>
+            <a:endParaRPr lang="pt-BR" sz="4400" b="1" dirty="0">
+              <a:effectLst/>
+              <a:latin typeface="ui-sans-serif"/>
+              <a:hlinkClick r:id="rId4">
+                <a:extLst>
+                  <a:ext uri="{A12FA001-AC4F-418D-AE19-62706E023703}">
+                    <ahyp:hlinkClr xmlns:ahyp="http://schemas.microsoft.com/office/drawing/2018/hyperlinkcolor" val="tx"/>
+                  </a:ext>
+                </a:extLst>
+              </a:hlinkClick>
+            </a:endParaRPr>
+          </a:p>
+        </p:txBody>
+      </p:sp>
+    </p:spTree>
+    <p:extLst>
+      <p:ext uri="{BB962C8B-B14F-4D97-AF65-F5344CB8AC3E}">
+        <p14:creationId xmlns:p14="http://schemas.microsoft.com/office/powerpoint/2010/main" val="2374228795"/>
+      </p:ext>
+    </p:extLst>
+  </p:cSld>
+  <p:clrMapOvr>
+    <a:masterClrMapping/>
+  </p:clrMapOvr>
+  <mc:AlternateContent xmlns:mc="http://schemas.openxmlformats.org/markup-compatibility/2006">
+    <mc:Choice xmlns:p159="http://schemas.microsoft.com/office/powerpoint/2015/09/main" Requires="p159">
+      <p:transition spd="slow" advTm="3000">
+        <p159:morph option="byObject"/>
+      </p:transition>
+    </mc:Choice>
+    <mc:Fallback>
+      <p:transition spd="slow" advTm="3000">
+        <p:fade/>
+      </p:transition>
+    </mc:Fallback>
+  </mc:AlternateContent>
+</p:sld>
+</file>
+
+<file path=ppt/slides/slide2.xml><?xml version="1.0" encoding="utf-8"?>
+<p:sld xmlns:a="http://schemas.openxmlformats.org/drawingml/2006/main" xmlns:r="http://schemas.openxmlformats.org/officeDocument/2006/relationships" xmlns:p="http://schemas.openxmlformats.org/presentationml/2006/main">
+  <p:cSld>
+    <p:bg>
+      <p:bgPr>
+        <a:blipFill dpi="0" rotWithShape="1">
+          <a:blip r:embed="rId2">
+            <a:lum/>
+          </a:blip>
+          <a:srcRect/>
+          <a:stretch>
+            <a:fillRect t="-39000" b="-39000"/>
+          </a:stretch>
+        </a:blipFill>
+        <a:effectLst/>
+      </p:bgPr>
+    </p:bg>
+    <p:spTree>
+      <p:nvGrpSpPr>
+        <p:cNvPr id="1" name=""/>
+        <p:cNvGrpSpPr/>
+        <p:nvPr/>
+      </p:nvGrpSpPr>
+      <p:grpSpPr>
+        <a:xfrm>
+          <a:off x="0" y="0"/>
+          <a:ext cx="0" cy="0"/>
+          <a:chOff x="0" y="0"/>
+          <a:chExt cx="0" cy="0"/>
+        </a:xfrm>
+      </p:grpSpPr>
+      <p:sp>
+        <p:nvSpPr>
+          <p:cNvPr id="8" name="Retângulo: Cantos Arredondados 7">
+            <a:extLst>
+              <a:ext uri="{FF2B5EF4-FFF2-40B4-BE49-F238E27FC236}">
+                <a16:creationId xmlns:a16="http://schemas.microsoft.com/office/drawing/2014/main" id="{16AE0DB7-D8B3-49D8-938F-86F6AEF04C63}"/>
+              </a:ext>
+            </a:extLst>
+          </p:cNvPr>
+          <p:cNvSpPr/>
+          <p:nvPr/>
+        </p:nvSpPr>
+        <p:spPr>
+          <a:xfrm>
+            <a:off x="1717250" y="2497976"/>
+            <a:ext cx="8757500" cy="1862048"/>
+          </a:xfrm>
+          <a:prstGeom prst="roundRect">
+            <a:avLst>
+              <a:gd name="adj" fmla="val 4756"/>
+            </a:avLst>
+          </a:prstGeom>
+          <a:solidFill>
+            <a:srgbClr val="FFFFFF">
+              <a:alpha val="69020"/>
+            </a:srgbClr>
+          </a:solidFill>
+          <a:ln>
+            <a:noFill/>
+          </a:ln>
+        </p:spPr>
+        <p:style>
+          <a:lnRef idx="2">
+            <a:schemeClr val="accent1">
+              <a:shade val="50000"/>
+            </a:schemeClr>
+          </a:lnRef>
+          <a:fillRef idx="1">
+            <a:schemeClr val="accent1"/>
+          </a:fillRef>
+          <a:effectRef idx="0">
+            <a:schemeClr val="accent1"/>
+          </a:effectRef>
+          <a:fontRef idx="minor">
+            <a:schemeClr val="lt1"/>
+          </a:fontRef>
+        </p:style>
+        <p:txBody>
+          <a:bodyPr rtlCol="0" anchor="ctr"/>
+          <a:lstStyle/>
+          <a:p>
+            <a:pPr algn="ctr"/>
+            <a:endParaRPr lang="pt-BR"/>
+          </a:p>
+        </p:txBody>
+      </p:sp>
+      <p:sp>
+        <p:nvSpPr>
+          <p:cNvPr id="7" name="CaixaDeTexto 6">
+            <a:extLst>
+              <a:ext uri="{FF2B5EF4-FFF2-40B4-BE49-F238E27FC236}">
+                <a16:creationId xmlns:a16="http://schemas.microsoft.com/office/drawing/2014/main" id="{63B00433-3B97-4E48-8546-31827CDD6AFE}"/>
+              </a:ext>
+            </a:extLst>
+          </p:cNvPr>
+          <p:cNvSpPr txBox="1"/>
+          <p:nvPr/>
+        </p:nvSpPr>
+        <p:spPr>
+          <a:xfrm>
+            <a:off x="4492587" y="2497976"/>
+            <a:ext cx="5308600" cy="1862048"/>
+          </a:xfrm>
+          <a:prstGeom prst="rect">
+            <a:avLst/>
+          </a:prstGeom>
+          <a:noFill/>
+        </p:spPr>
+        <p:txBody>
+          <a:bodyPr wrap="square">
+            <a:spAutoFit/>
+          </a:bodyPr>
+          <a:lstStyle/>
+          <a:p>
+            <a:r>
+              <a:rPr lang="pt-BR" sz="11500" b="1" i="0" dirty="0">
+                <a:effectLst/>
+                <a:latin typeface="ui-sans-serif"/>
+              </a:rPr>
+              <a:t>Kadabra</a:t>
+            </a:r>
+            <a:endParaRPr lang="pt-BR" sz="11500" dirty="0"/>
+          </a:p>
+        </p:txBody>
+      </p:sp>
+      <p:pic>
+        <p:nvPicPr>
+          <p:cNvPr id="5" name="Imagem 4">
+            <a:extLst>
+              <a:ext uri="{FF2B5EF4-FFF2-40B4-BE49-F238E27FC236}">
+                <a16:creationId xmlns:a16="http://schemas.microsoft.com/office/drawing/2014/main" id="{6D9E2823-E62B-46D2-83B5-A57AD8F22221}"/>
+              </a:ext>
+            </a:extLst>
+          </p:cNvPr>
+          <p:cNvPicPr>
+            <a:picLocks noChangeAspect="1"/>
+          </p:cNvPicPr>
+          <p:nvPr/>
+        </p:nvPicPr>
+        <p:blipFill>
+          <a:blip r:embed="rId3">
+            <a:extLst>
+              <a:ext uri="{28A0092B-C50C-407E-A947-70E740481C1C}">
+                <a14:useLocalDpi xmlns:a14="http://schemas.microsoft.com/office/drawing/2010/main" val="0"/>
+              </a:ext>
+            </a:extLst>
+          </a:blip>
+          <a:stretch>
+            <a:fillRect/>
+          </a:stretch>
+        </p:blipFill>
+        <p:spPr>
+          <a:xfrm>
+            <a:off x="8315287" y="2686050"/>
+            <a:ext cx="1485900" cy="1485900"/>
+          </a:xfrm>
+          <a:prstGeom prst="rect">
+            <a:avLst/>
+          </a:prstGeom>
+        </p:spPr>
+      </p:pic>
+    </p:spTree>
+    <p:extLst>
+      <p:ext uri="{BB962C8B-B14F-4D97-AF65-F5344CB8AC3E}">
+        <p14:creationId xmlns:p14="http://schemas.microsoft.com/office/powerpoint/2010/main" val="2375986164"/>
+      </p:ext>
+    </p:extLst>
+  </p:cSld>
+  <p:clrMapOvr>
+    <a:masterClrMapping/>
+  </p:clrMapOvr>
+  <mc:AlternateContent xmlns:mc="http://schemas.openxmlformats.org/markup-compatibility/2006">
+    <mc:Choice xmlns:p159="http://schemas.microsoft.com/office/powerpoint/2015/09/main" Requires="p159">
+      <p:transition spd="slow" advClick="0" advTm="4000">
+        <p159:morph option="byObject"/>
+      </p:transition>
+    </mc:Choice>
+    <mc:Fallback>
+      <p:transition spd="slow" advClick="0" advTm="4000">
+        <p:fade/>
+      </p:transition>
+    </mc:Fallback>
+  </mc:AlternateContent>
+  <p:timing>
+    <p:tnLst>
+      <p:par>
+        <p:cTn id="1" dur="indefinite" restart="never" nodeType="tmRoot">
+          <p:childTnLst>
+            <p:seq concurrent="1" nextAc="seek">
+              <p:cTn id="2" dur="indefinite" nodeType="mainSeq">
+                <p:childTnLst>
+                  <p:par>
+                    <p:cTn id="3" fill="hold">
+                      <p:stCondLst>
+                        <p:cond delay="indefinite"/>
+                        <p:cond evt="onBegin" delay="0">
+                          <p:tn val="2"/>
+                        </p:cond>
+                      </p:stCondLst>
+                      <p:childTnLst>
+                        <p:par>
+                          <p:cTn id="4" fill="hold">
+                            <p:stCondLst>
+                              <p:cond delay="0"/>
+                            </p:stCondLst>
+                            <p:childTnLst>
+                              <p:par>
+                                <p:cTn id="5" presetID="0" presetClass="path" presetSubtype="0" accel="50000" decel="49000" fill="hold" nodeType="withEffect">
+                                  <p:stCondLst>
+                                    <p:cond delay="0"/>
+                                  </p:stCondLst>
+                                  <p:childTnLst>
+                                    <p:animMotion origin="layout" path="M 1.25E-6 -0.00023 C -0.00925 0.00255 -0.02604 -0.01273 -0.04857 -0.00648 C -0.07109 -0.00023 -0.10261 0.04583 -0.1349 0.03657 C -0.16628 0.04144 -0.19453 -0.02847 -0.24831 -0.03889 C -0.28932 -0.05509 -0.32839 0.02477 -0.35182 0.03287 C -0.37448 0.04074 -0.4112 -0.02014 -0.42409 -0.01435 " pathEditMode="relative" rAng="0" ptsTypes="AAAAAA">
+                                      <p:cBhvr>
+                                        <p:cTn id="6" dur="2000" fill="hold"/>
+                                        <p:tgtEl>
+                                          <p:spTgt spid="5"/>
+                                        </p:tgtEl>
+                                        <p:attrNameLst>
+                                          <p:attrName>ppt_x</p:attrName>
+                                          <p:attrName>ppt_y</p:attrName>
+                                        </p:attrNameLst>
+                                      </p:cBhvr>
+                                      <p:rCtr x="-21211" y="-139"/>
+                                    </p:animMotion>
+                                  </p:childTnLst>
+                                </p:cTn>
+                              </p:par>
+                            </p:childTnLst>
+                          </p:cTn>
+                        </p:par>
+                        <p:par>
+                          <p:cTn id="7" fill="hold">
+                            <p:stCondLst>
+                              <p:cond delay="2000"/>
+                            </p:stCondLst>
+                            <p:childTnLst>
+                              <p:par>
+                                <p:cTn id="8" presetID="10" presetClass="entr" presetSubtype="0" fill="hold" grpId="0" nodeType="afterEffect">
+                                  <p:stCondLst>
+                                    <p:cond delay="0"/>
+                                  </p:stCondLst>
+                                  <p:iterate type="lt">
+                                    <p:tmPct val="15000"/>
+                                  </p:iterate>
+                                  <p:childTnLst>
+                                    <p:set>
+                                      <p:cBhvr>
+                                        <p:cTn id="9" dur="1" fill="hold">
+                                          <p:stCondLst>
+                                            <p:cond delay="0"/>
+                                          </p:stCondLst>
+                                        </p:cTn>
+                                        <p:tgtEl>
+                                          <p:spTgt spid="7"/>
+                                        </p:tgtEl>
+                                        <p:attrNameLst>
+                                          <p:attrName>style.visibility</p:attrName>
+                                        </p:attrNameLst>
+                                      </p:cBhvr>
+                                      <p:to>
+                                        <p:strVal val="visible"/>
+                                      </p:to>
+                                    </p:set>
+                                    <p:animEffect transition="in" filter="fade">
+                                      <p:cBhvr>
+                                        <p:cTn id="10" dur="500"/>
+                                        <p:tgtEl>
+                                          <p:spTgt spid="7"/>
+                                        </p:tgtEl>
+                                      </p:cBhvr>
+                                    </p:animEffect>
+                                  </p:childTnLst>
+                                </p:cTn>
+                              </p:par>
+                            </p:childTnLst>
+                          </p:cTn>
+                        </p:par>
+                      </p:childTnLst>
+                    </p:cTn>
+                  </p:par>
+                </p:childTnLst>
+              </p:cTn>
+              <p:prevCondLst>
+                <p:cond evt="onPrev" delay="0">
+                  <p:tgtEl>
+                    <p:sldTgt/>
+                  </p:tgtEl>
+                </p:cond>
+              </p:prevCondLst>
+              <p:nextCondLst>
+                <p:cond evt="onNext" delay="0">
+                  <p:tgtEl>
+                    <p:sldTgt/>
+                  </p:tgtEl>
+                </p:cond>
+              </p:nextCondLst>
+            </p:seq>
+          </p:childTnLst>
+        </p:cTn>
+      </p:par>
+    </p:tnLst>
+    <p:bldLst>
+      <p:bldP spid="7" grpId="0"/>
+    </p:bldLst>
+  </p:timing>
+</p:sld>
+</file>
+
+<file path=ppt/slides/slide3.xml><?xml version="1.0" encoding="utf-8"?>
+<p:sld xmlns:a="http://schemas.openxmlformats.org/drawingml/2006/main" xmlns:r="http://schemas.openxmlformats.org/officeDocument/2006/relationships" xmlns:p="http://schemas.openxmlformats.org/presentationml/2006/main">
+  <p:cSld>
+    <p:bg>
+      <p:bgPr>
+        <a:blipFill dpi="0" rotWithShape="1">
+          <a:blip r:embed="rId2">
+            <a:lum/>
+          </a:blip>
+          <a:srcRect/>
+          <a:stretch>
+            <a:fillRect t="-39000" b="-39000"/>
+          </a:stretch>
+        </a:blipFill>
+        <a:effectLst/>
+      </p:bgPr>
+    </p:bg>
+    <p:spTree>
+      <p:nvGrpSpPr>
+        <p:cNvPr id="1" name=""/>
+        <p:cNvGrpSpPr/>
+        <p:nvPr/>
+      </p:nvGrpSpPr>
+      <p:grpSpPr>
+        <a:xfrm>
+          <a:off x="0" y="0"/>
+          <a:ext cx="0" cy="0"/>
+          <a:chOff x="0" y="0"/>
+          <a:chExt cx="0" cy="0"/>
+        </a:xfrm>
+      </p:grpSpPr>
+      <p:sp>
+        <p:nvSpPr>
+          <p:cNvPr id="8" name="Retângulo: Cantos Arredondados 7">
+            <a:extLst>
+              <a:ext uri="{FF2B5EF4-FFF2-40B4-BE49-F238E27FC236}">
+                <a16:creationId xmlns:a16="http://schemas.microsoft.com/office/drawing/2014/main" id="{16AE0DB7-D8B3-49D8-938F-86F6AEF04C63}"/>
+              </a:ext>
+            </a:extLst>
+          </p:cNvPr>
+          <p:cNvSpPr/>
+          <p:nvPr/>
+        </p:nvSpPr>
+        <p:spPr>
+          <a:xfrm>
+            <a:off x="1717250" y="737730"/>
+            <a:ext cx="8757500" cy="1214753"/>
+          </a:xfrm>
+          <a:prstGeom prst="roundRect">
+            <a:avLst>
+              <a:gd name="adj" fmla="val 4756"/>
+            </a:avLst>
+          </a:prstGeom>
+          <a:solidFill>
+            <a:srgbClr val="FFFFFF">
+              <a:alpha val="69020"/>
+            </a:srgbClr>
+          </a:solidFill>
+          <a:ln>
+            <a:noFill/>
+          </a:ln>
+        </p:spPr>
+        <p:style>
+          <a:lnRef idx="2">
+            <a:schemeClr val="accent1">
+              <a:shade val="50000"/>
+            </a:schemeClr>
+          </a:lnRef>
+          <a:fillRef idx="1">
+            <a:schemeClr val="accent1"/>
+          </a:fillRef>
+          <a:effectRef idx="0">
+            <a:schemeClr val="accent1"/>
+          </a:effectRef>
+          <a:fontRef idx="minor">
+            <a:schemeClr val="lt1"/>
+          </a:fontRef>
+        </p:style>
+        <p:txBody>
+          <a:bodyPr rtlCol="0" anchor="ctr"/>
+          <a:lstStyle/>
+          <a:p>
+            <a:pPr algn="ctr"/>
+            <a:endParaRPr lang="pt-BR"/>
+          </a:p>
+        </p:txBody>
+      </p:sp>
+      <p:sp>
+        <p:nvSpPr>
+          <p:cNvPr id="7" name="CaixaDeTexto 6">
+            <a:extLst>
+              <a:ext uri="{FF2B5EF4-FFF2-40B4-BE49-F238E27FC236}">
+                <a16:creationId xmlns:a16="http://schemas.microsoft.com/office/drawing/2014/main" id="{63B00433-3B97-4E48-8546-31827CDD6AFE}"/>
+              </a:ext>
+            </a:extLst>
+          </p:cNvPr>
+          <p:cNvSpPr txBox="1"/>
+          <p:nvPr/>
+        </p:nvSpPr>
+        <p:spPr>
+          <a:xfrm>
+            <a:off x="5222711" y="883443"/>
+            <a:ext cx="2553546" cy="923330"/>
+          </a:xfrm>
+          <a:prstGeom prst="rect">
+            <a:avLst/>
+          </a:prstGeom>
+          <a:noFill/>
+        </p:spPr>
+        <p:txBody>
+          <a:bodyPr wrap="square">
+            <a:spAutoFit/>
+          </a:bodyPr>
+          <a:lstStyle/>
+          <a:p>
+            <a:r>
+              <a:rPr lang="pt-BR" sz="5400" b="1" i="0" dirty="0">
+                <a:effectLst/>
+                <a:latin typeface="ui-sans-serif"/>
+              </a:rPr>
+              <a:t>Kadabra</a:t>
+            </a:r>
+            <a:endParaRPr lang="pt-BR" sz="7200" dirty="0"/>
+          </a:p>
+        </p:txBody>
+      </p:sp>
+      <p:pic>
+        <p:nvPicPr>
+          <p:cNvPr id="5" name="Imagem 4">
+            <a:extLst>
+              <a:ext uri="{FF2B5EF4-FFF2-40B4-BE49-F238E27FC236}">
+                <a16:creationId xmlns:a16="http://schemas.microsoft.com/office/drawing/2014/main" id="{6D9E2823-E62B-46D2-83B5-A57AD8F22221}"/>
+              </a:ext>
+            </a:extLst>
+          </p:cNvPr>
+          <p:cNvPicPr>
+            <a:picLocks noChangeAspect="1"/>
+          </p:cNvPicPr>
+          <p:nvPr/>
+        </p:nvPicPr>
+        <p:blipFill>
+          <a:blip r:embed="rId3">
+            <a:extLst>
+              <a:ext uri="{28A0092B-C50C-407E-A947-70E740481C1C}">
+                <a14:useLocalDpi xmlns:a14="http://schemas.microsoft.com/office/drawing/2010/main" val="0"/>
+              </a:ext>
+            </a:extLst>
+          </a:blip>
+          <a:stretch>
+            <a:fillRect/>
+          </a:stretch>
+        </p:blipFill>
+        <p:spPr>
+          <a:xfrm>
+            <a:off x="4415742" y="941623"/>
+            <a:ext cx="806969" cy="806969"/>
+          </a:xfrm>
+          <a:prstGeom prst="rect">
+            <a:avLst/>
+          </a:prstGeom>
+        </p:spPr>
+      </p:pic>
+    </p:spTree>
+    <p:extLst>
+      <p:ext uri="{BB962C8B-B14F-4D97-AF65-F5344CB8AC3E}">
+        <p14:creationId xmlns:p14="http://schemas.microsoft.com/office/powerpoint/2010/main" val="4255136753"/>
+      </p:ext>
+    </p:extLst>
+  </p:cSld>
+  <p:clrMapOvr>
+    <a:masterClrMapping/>
+  </p:clrMapOvr>
+  <mc:AlternateContent xmlns:mc="http://schemas.openxmlformats.org/markup-compatibility/2006">
+    <mc:Choice xmlns:p159="http://schemas.microsoft.com/office/powerpoint/2015/09/main" Requires="p159">
+      <p:transition spd="slow">
+        <p159:morph option="byObject"/>
+      </p:transition>
+    </mc:Choice>
+    <mc:Fallback>
+      <p:transition spd="slow">
+        <p:fade/>
+      </p:transition>
+    </mc:Fallback>
+  </mc:AlternateContent>
+</p:sld>
+</file>
+
+<file path=ppt/slides/slide4.xml><?xml version="1.0" encoding="utf-8"?>
+<p:sld xmlns:a="http://schemas.openxmlformats.org/drawingml/2006/main" xmlns:r="http://schemas.openxmlformats.org/officeDocument/2006/relationships" xmlns:p="http://schemas.openxmlformats.org/presentationml/2006/main">
+  <p:cSld>
     <p:spTree>
       <p:nvGrpSpPr>
         <p:cNvPr id="1" name=""/>
@@ -4707,7 +5419,7 @@
     </p:spTree>
     <p:extLst>
       <p:ext uri="{BB962C8B-B14F-4D97-AF65-F5344CB8AC3E}">
-        <p14:creationId xmlns:p14="http://schemas.microsoft.com/office/powerpoint/2010/main" val="1231675983"/>
+        <p14:creationId xmlns:p14="http://schemas.microsoft.com/office/powerpoint/2010/main" val="58551214"/>
       </p:ext>
     </p:extLst>
   </p:cSld>
